--- a/spring13/slides13/microquiz9w-afternoon.pptx
+++ b/spring13/slides13/microquiz9w-afternoon.pptx
@@ -1190,14 +1190,7 @@
                 <a:latin typeface="Comic Sans MS"/>
                 <a:cs typeface="Comic Sans MS"/>
               </a:rPr>
-              <a:t> What is the value of             </a:t>
-            </a:r>
-            <a:r>
-              <a:rPr lang="en-US" sz="4000" dirty="0" smtClean="0">
-                <a:latin typeface="Comic Sans MS"/>
-                <a:cs typeface="Comic Sans MS"/>
-              </a:rPr>
-              <a:t>     ?</a:t>
+              <a:t> What is the value of                  ?</a:t>
             </a:r>
             <a:endParaRPr lang="en-US" sz="3600" dirty="0" smtClean="0">
               <a:latin typeface="Comic Sans MS"/>
@@ -1293,17 +1286,7 @@
                 <a:latin typeface="Comic Sans MS"/>
                 <a:cs typeface="Comic Sans MS"/>
               </a:rPr>
-              <a:t> </a:t>
-            </a:r>
-            <a:r>
-              <a:rPr lang="en-US" sz="4000" dirty="0" smtClean="0">
-                <a:solidFill>
-                  <a:srgbClr val="0000FF"/>
-                </a:solidFill>
-                <a:latin typeface="Comic Sans MS"/>
-                <a:cs typeface="Comic Sans MS"/>
-              </a:rPr>
-              <a:t>a</a:t>
+              <a:t> a</a:t>
             </a:r>
             <a:r>
               <a:rPr lang="en-US" sz="4000" dirty="0">
@@ -1371,7 +1354,7 @@
         <p:spPr>
           <a:xfrm>
             <a:off x="1628325" y="388045"/>
-            <a:ext cx="5887349" cy="584776"/>
+            <a:ext cx="6072095" cy="584776"/>
           </a:xfrm>
           <a:prstGeom prst="rect">
             <a:avLst/>
@@ -1403,7 +1386,28 @@
                 <a:latin typeface="Comic Sans MS"/>
                 <a:cs typeface="Comic Sans MS"/>
               </a:rPr>
-              <a:t> April 8, 2013</a:t>
+              <a:t> </a:t>
+            </a:r>
+            <a:r>
+              <a:rPr lang="en-US" sz="3200" smtClean="0">
+                <a:latin typeface="Comic Sans MS"/>
+                <a:cs typeface="Comic Sans MS"/>
+              </a:rPr>
+              <a:t>April </a:t>
+            </a:r>
+            <a:r>
+              <a:rPr lang="en-US" sz="3200" smtClean="0">
+                <a:latin typeface="Comic Sans MS"/>
+                <a:cs typeface="Comic Sans MS"/>
+              </a:rPr>
+              <a:t>10, </a:t>
+            </a:r>
+            <a:r>
+              <a:rPr lang="en-US" sz="3200" dirty="0" smtClean="0">
+                <a:latin typeface="Comic Sans MS"/>
+                <a:cs typeface="Comic Sans MS"/>
+              </a:rPr>
+              <a:t>2013</a:t>
             </a:r>
             <a:endParaRPr lang="en-US" sz="3200" dirty="0">
               <a:latin typeface="Comic Sans MS"/>

--- a/spring13/slides13/microquiz9w-afternoon.pptx
+++ b/spring13/slides13/microquiz9w-afternoon.pptx
@@ -632,7 +632,7 @@
         <p:spPr bwMode="auto">
           <a:xfrm>
             <a:off x="4125913" y="6611938"/>
-            <a:ext cx="991941" cy="261610"/>
+            <a:ext cx="1049674" cy="261610"/>
           </a:xfrm>
           <a:prstGeom prst="rect">
             <a:avLst/>
@@ -665,7 +665,13 @@
               <a:rPr lang="en-US" sz="1000" baseline="0" dirty="0" smtClean="0">
                 <a:latin typeface="Comic Sans MS" pitchFamily="66" charset="0"/>
               </a:rPr>
-              <a:t> 8</a:t>
+              <a:t> </a:t>
+            </a:r>
+            <a:r>
+              <a:rPr lang="en-US" sz="1000" baseline="0" dirty="0" smtClean="0">
+                <a:latin typeface="Comic Sans MS" pitchFamily="66" charset="0"/>
+              </a:rPr>
+              <a:t>10</a:t>
             </a:r>
             <a:r>
               <a:rPr lang="en-US" sz="1000" dirty="0" smtClean="0">
@@ -1354,7 +1360,7 @@
         <p:spPr>
           <a:xfrm>
             <a:off x="1628325" y="388045"/>
-            <a:ext cx="6072095" cy="584776"/>
+            <a:ext cx="5824030" cy="584776"/>
           </a:xfrm>
           <a:prstGeom prst="rect">
             <a:avLst/>
@@ -1375,39 +1381,11 @@
               <a:t>6.042 </a:t>
             </a:r>
             <a:r>
-              <a:rPr lang="en-US" sz="3200" dirty="0" err="1" smtClean="0">
-                <a:latin typeface="Comic Sans MS"/>
-                <a:cs typeface="Comic Sans MS"/>
-              </a:rPr>
-              <a:t>Microquiz</a:t>
-            </a:r>
-            <a:r>
               <a:rPr lang="en-US" sz="3200" dirty="0" smtClean="0">
                 <a:latin typeface="Comic Sans MS"/>
                 <a:cs typeface="Comic Sans MS"/>
               </a:rPr>
-              <a:t> </a:t>
-            </a:r>
-            <a:r>
-              <a:rPr lang="en-US" sz="3200" smtClean="0">
-                <a:latin typeface="Comic Sans MS"/>
-                <a:cs typeface="Comic Sans MS"/>
-              </a:rPr>
-              <a:t>April </a:t>
-            </a:r>
-            <a:r>
-              <a:rPr lang="en-US" sz="3200" smtClean="0">
-                <a:latin typeface="Comic Sans MS"/>
-                <a:cs typeface="Comic Sans MS"/>
-              </a:rPr>
-              <a:t>10, </a:t>
-            </a:r>
-            <a:r>
-              <a:rPr lang="en-US" sz="3200" dirty="0" smtClean="0">
-                <a:latin typeface="Comic Sans MS"/>
-                <a:cs typeface="Comic Sans MS"/>
-              </a:rPr>
-              <a:t>2013</a:t>
+              <a:t>Microquiz9w afternoon</a:t>
             </a:r>
             <a:endParaRPr lang="en-US" sz="3200" dirty="0">
               <a:latin typeface="Comic Sans MS"/>
